--- a/FoodLink_Presentation.pptx
+++ b/FoodLink_Presentation.pptx
@@ -3989,8 +3989,8 @@
           <a:lstStyle/>
           <a:p>
             <a:r>
-              <a:rPr lang="en-CN" sz="5400"/>
-              <a:t>Problem</a:t>
+              <a:rPr lang="en-CN" sz="5400" dirty="0"/>
+              <a:t>Problems</a:t>
             </a:r>
           </a:p>
         </p:txBody>
@@ -4314,13 +4314,13 @@
           <a:p>
             <a:r>
               <a:rPr lang="en-CN" sz="2200" dirty="0"/>
-              <a:t>Don’t know what recipes suit your diet?</a:t>
+              <a:t>Want to eat smarter?</a:t>
             </a:r>
           </a:p>
           <a:p>
             <a:r>
               <a:rPr lang="en-CN" sz="2200" dirty="0"/>
-              <a:t>Want to eat smarter?</a:t>
+              <a:t>Need information on nearby food banks?</a:t>
             </a:r>
           </a:p>
         </p:txBody>
